--- a/Homework Printouts.pptx
+++ b/Homework Printouts.pptx
@@ -6,6 +6,7 @@
   </p:sldMasterIdLst>
   <p:sldIdLst>
     <p:sldId id="345" r:id="rId2"/>
+    <p:sldId id="346" r:id="rId3"/>
   </p:sldIdLst>
   <p:sldSz cx="6858000" cy="9144000" type="letter"/>
   <p:notesSz cx="6858000" cy="9144000"/>
@@ -2986,7 +2987,7 @@
         <p:spPr>
           <a:xfrm>
             <a:off x="223069" y="207820"/>
-            <a:ext cx="1931554" cy="584775"/>
+            <a:ext cx="3197414" cy="492443"/>
           </a:xfrm>
           <a:prstGeom prst="rect">
             <a:avLst/>
@@ -3000,17 +3001,15 @@
           <a:lstStyle/>
           <a:p>
             <a:r>
+              <a:rPr lang="en-GB" sz="1400" b="1" dirty="0"/>
+              <a:t>Keyboard Shortcuts</a:t>
+            </a:r>
+          </a:p>
+          <a:p>
+            <a:r>
               <a:rPr lang="en-GB" sz="1200" dirty="0"/>
-              <a:t>Refactoring to Cleaner Code</a:t>
+              <a:t>(Visual Studio + ReSharper with VS Key bindings)</a:t>
             </a:r>
-          </a:p>
-          <a:p>
-            <a:r>
-              <a:rPr lang="en-GB" sz="1000" dirty="0"/>
-              <a:t>Awareness Homework</a:t>
-            </a:r>
-          </a:p>
-          <a:p>
             <a:endParaRPr lang="en-GB" sz="1000" dirty="0"/>
           </a:p>
         </p:txBody>
@@ -3029,8 +3028,8 @@
         </p:nvSpPr>
         <p:spPr>
           <a:xfrm>
-            <a:off x="-151411" y="8591490"/>
-            <a:ext cx="6875601" cy="400110"/>
+            <a:off x="5231474" y="8591490"/>
+            <a:ext cx="1492716" cy="400110"/>
           </a:xfrm>
           <a:prstGeom prst="rect">
             <a:avLst/>
@@ -3052,38 +3051,799 @@
           <a:p>
             <a:pPr algn="r"/>
             <a:r>
-              <a:rPr lang="en-GB" sz="1000" dirty="0"/>
-              <a:t>https://</a:t>
-            </a:r>
-            <a:r>
               <a:rPr lang="en-GB" sz="1000" dirty="0" err="1"/>
-              <a:t>raw.githubusercontent.com</a:t>
+              <a:t>bit.ly</a:t>
             </a:r>
             <a:r>
               <a:rPr lang="en-GB" sz="1000" dirty="0"/>
-              <a:t>/</a:t>
+              <a:t>/CodeCleaners4Hire</a:t>
             </a:r>
+          </a:p>
+        </p:txBody>
+      </p:sp>
+      <p:graphicFrame>
+        <p:nvGraphicFramePr>
+          <p:cNvPr id="3" name="Table 5">
+            <a:extLst>
+              <a:ext uri="{FF2B5EF4-FFF2-40B4-BE49-F238E27FC236}">
+                <a16:creationId xmlns:a16="http://schemas.microsoft.com/office/drawing/2014/main" id="{C111E34E-01FD-E24E-B403-ED59A994F707}"/>
+              </a:ext>
+            </a:extLst>
+          </p:cNvPr>
+          <p:cNvGraphicFramePr>
+            <a:graphicFrameLocks noGrp="1"/>
+          </p:cNvGraphicFramePr>
+          <p:nvPr>
+            <p:extLst>
+              <p:ext uri="{D42A27DB-BD31-4B8C-83A1-F6EECF244321}">
+                <p14:modId xmlns:p14="http://schemas.microsoft.com/office/powerpoint/2010/main" val="3877602986"/>
+              </p:ext>
+            </p:extLst>
+          </p:nvPr>
+        </p:nvGraphicFramePr>
+        <p:xfrm>
+          <a:off x="905883" y="1196193"/>
+          <a:ext cx="5029200" cy="5562600"/>
+        </p:xfrm>
+        <a:graphic>
+          <a:graphicData uri="http://schemas.openxmlformats.org/drawingml/2006/table">
+            <a:tbl>
+              <a:tblPr bandRow="1">
+                <a:tableStyleId>{073A0DAA-6AF3-43AB-8588-CEC1D06C72B9}</a:tableStyleId>
+              </a:tblPr>
+              <a:tblGrid>
+                <a:gridCol w="3063691">
+                  <a:extLst>
+                    <a:ext uri="{9D8B030D-6E8A-4147-A177-3AD203B41FA5}">
+                      <a16:colId xmlns:a16="http://schemas.microsoft.com/office/drawing/2014/main" val="3132531896"/>
+                    </a:ext>
+                  </a:extLst>
+                </a:gridCol>
+                <a:gridCol w="1965509">
+                  <a:extLst>
+                    <a:ext uri="{9D8B030D-6E8A-4147-A177-3AD203B41FA5}">
+                      <a16:colId xmlns:a16="http://schemas.microsoft.com/office/drawing/2014/main" val="856612020"/>
+                    </a:ext>
+                  </a:extLst>
+                </a:gridCol>
+              </a:tblGrid>
+              <a:tr h="370840">
+                <a:tc gridSpan="2">
+                  <a:txBody>
+                    <a:bodyPr/>
+                    <a:lstStyle/>
+                    <a:p>
+                      <a:pPr algn="ctr"/>
+                      <a:r>
+                        <a:rPr lang="en-US" dirty="0">
+                          <a:solidFill>
+                            <a:schemeClr val="bg1"/>
+                          </a:solidFill>
+                        </a:rPr>
+                        <a:t>Main</a:t>
+                      </a:r>
+                      <a:r>
+                        <a:rPr lang="en-US" dirty="0"/>
+                        <a:t> </a:t>
+                      </a:r>
+                    </a:p>
+                  </a:txBody>
+                  <a:tcPr marL="100584" marR="100584">
+                    <a:solidFill>
+                      <a:schemeClr val="tx1">
+                        <a:lumMod val="65000"/>
+                        <a:lumOff val="35000"/>
+                      </a:schemeClr>
+                    </a:solidFill>
+                  </a:tcPr>
+                </a:tc>
+                <a:tc hMerge="1">
+                  <a:txBody>
+                    <a:bodyPr/>
+                    <a:lstStyle/>
+                    <a:p>
+                      <a:endParaRPr lang="en-US" dirty="0"/>
+                    </a:p>
+                  </a:txBody>
+                  <a:tcPr marL="100584" marR="100584"/>
+                </a:tc>
+                <a:extLst>
+                  <a:ext uri="{0D108BD9-81ED-4DB2-BD59-A6C34878D82A}">
+                    <a16:rowId xmlns:a16="http://schemas.microsoft.com/office/drawing/2014/main" val="457014644"/>
+                  </a:ext>
+                </a:extLst>
+              </a:tr>
+              <a:tr h="370840">
+                <a:tc>
+                  <a:txBody>
+                    <a:bodyPr/>
+                    <a:lstStyle/>
+                    <a:p>
+                      <a:r>
+                        <a:rPr lang="en-US" dirty="0"/>
+                        <a:t>Quick Fix </a:t>
+                      </a:r>
+                    </a:p>
+                  </a:txBody>
+                  <a:tcPr marL="100584" marR="100584"/>
+                </a:tc>
+                <a:tc>
+                  <a:txBody>
+                    <a:bodyPr/>
+                    <a:lstStyle/>
+                    <a:p>
+                      <a:r>
+                        <a:rPr lang="en-US" dirty="0"/>
+                        <a:t>Alt + Enter</a:t>
+                      </a:r>
+                    </a:p>
+                  </a:txBody>
+                  <a:tcPr marL="100584" marR="100584"/>
+                </a:tc>
+                <a:extLst>
+                  <a:ext uri="{0D108BD9-81ED-4DB2-BD59-A6C34878D82A}">
+                    <a16:rowId xmlns:a16="http://schemas.microsoft.com/office/drawing/2014/main" val="2431389569"/>
+                  </a:ext>
+                </a:extLst>
+              </a:tr>
+              <a:tr h="370840">
+                <a:tc>
+                  <a:txBody>
+                    <a:bodyPr/>
+                    <a:lstStyle/>
+                    <a:p>
+                      <a:r>
+                        <a:rPr lang="en-US" dirty="0"/>
+                        <a:t>Refactor This</a:t>
+                      </a:r>
+                    </a:p>
+                  </a:txBody>
+                  <a:tcPr marL="100584" marR="100584"/>
+                </a:tc>
+                <a:tc>
+                  <a:txBody>
+                    <a:bodyPr/>
+                    <a:lstStyle/>
+                    <a:p>
+                      <a:r>
+                        <a:rPr lang="en-US" dirty="0"/>
+                        <a:t>Ctrl + Shift + R</a:t>
+                      </a:r>
+                    </a:p>
+                  </a:txBody>
+                  <a:tcPr marL="100584" marR="100584"/>
+                </a:tc>
+                <a:extLst>
+                  <a:ext uri="{0D108BD9-81ED-4DB2-BD59-A6C34878D82A}">
+                    <a16:rowId xmlns:a16="http://schemas.microsoft.com/office/drawing/2014/main" val="169511241"/>
+                  </a:ext>
+                </a:extLst>
+              </a:tr>
+              <a:tr h="370840">
+                <a:tc gridSpan="2">
+                  <a:txBody>
+                    <a:bodyPr/>
+                    <a:lstStyle/>
+                    <a:p>
+                      <a:pPr algn="ctr"/>
+                      <a:r>
+                        <a:rPr lang="en-US" dirty="0">
+                          <a:solidFill>
+                            <a:schemeClr val="bg1"/>
+                          </a:solidFill>
+                        </a:rPr>
+                        <a:t>Refactoring</a:t>
+                      </a:r>
+                    </a:p>
+                  </a:txBody>
+                  <a:tcPr marL="100584" marR="100584">
+                    <a:solidFill>
+                      <a:schemeClr val="tx1">
+                        <a:lumMod val="65000"/>
+                        <a:lumOff val="35000"/>
+                      </a:schemeClr>
+                    </a:solidFill>
+                  </a:tcPr>
+                </a:tc>
+                <a:tc hMerge="1">
+                  <a:txBody>
+                    <a:bodyPr/>
+                    <a:lstStyle/>
+                    <a:p>
+                      <a:pPr marL="0" marR="0" lvl="0" indent="0" algn="l" defTabSz="685800" rtl="0" eaLnBrk="1" fontAlgn="auto" latinLnBrk="0" hangingPunct="1">
+                        <a:lnSpc>
+                          <a:spcPct val="100000"/>
+                        </a:lnSpc>
+                        <a:spcBef>
+                          <a:spcPts val="0"/>
+                        </a:spcBef>
+                        <a:spcAft>
+                          <a:spcPts val="0"/>
+                        </a:spcAft>
+                        <a:buClrTx/>
+                        <a:buSzTx/>
+                        <a:buFontTx/>
+                        <a:buNone/>
+                        <a:tabLst/>
+                        <a:defRPr/>
+                      </a:pPr>
+                      <a:endParaRPr lang="en-US" dirty="0"/>
+                    </a:p>
+                  </a:txBody>
+                  <a:tcPr marL="100584" marR="100584"/>
+                </a:tc>
+                <a:extLst>
+                  <a:ext uri="{0D108BD9-81ED-4DB2-BD59-A6C34878D82A}">
+                    <a16:rowId xmlns:a16="http://schemas.microsoft.com/office/drawing/2014/main" val="1237178334"/>
+                  </a:ext>
+                </a:extLst>
+              </a:tr>
+              <a:tr h="370840">
+                <a:tc>
+                  <a:txBody>
+                    <a:bodyPr/>
+                    <a:lstStyle/>
+                    <a:p>
+                      <a:r>
+                        <a:rPr lang="en-US" b="1" u="sng" dirty="0"/>
+                        <a:t>R</a:t>
+                      </a:r>
+                      <a:r>
+                        <a:rPr lang="en-US" dirty="0"/>
+                        <a:t>ename</a:t>
+                      </a:r>
+                    </a:p>
+                  </a:txBody>
+                  <a:tcPr marL="100584" marR="100584"/>
+                </a:tc>
+                <a:tc>
+                  <a:txBody>
+                    <a:bodyPr/>
+                    <a:lstStyle/>
+                    <a:p>
+                      <a:pPr marL="0" marR="0" lvl="0" indent="0" algn="l" defTabSz="685800" rtl="0" eaLnBrk="1" fontAlgn="auto" latinLnBrk="0" hangingPunct="1">
+                        <a:lnSpc>
+                          <a:spcPct val="100000"/>
+                        </a:lnSpc>
+                        <a:spcBef>
+                          <a:spcPts val="0"/>
+                        </a:spcBef>
+                        <a:spcAft>
+                          <a:spcPts val="0"/>
+                        </a:spcAft>
+                        <a:buClrTx/>
+                        <a:buSzTx/>
+                        <a:buFontTx/>
+                        <a:buNone/>
+                        <a:tabLst/>
+                        <a:defRPr/>
+                      </a:pPr>
+                      <a:r>
+                        <a:rPr lang="en-US" dirty="0"/>
+                        <a:t>(Ctrl + R), (Ctrl + R)</a:t>
+                      </a:r>
+                    </a:p>
+                  </a:txBody>
+                  <a:tcPr marL="100584" marR="100584"/>
+                </a:tc>
+                <a:extLst>
+                  <a:ext uri="{0D108BD9-81ED-4DB2-BD59-A6C34878D82A}">
+                    <a16:rowId xmlns:a16="http://schemas.microsoft.com/office/drawing/2014/main" val="3985771960"/>
+                  </a:ext>
+                </a:extLst>
+              </a:tr>
+              <a:tr h="370840">
+                <a:tc>
+                  <a:txBody>
+                    <a:bodyPr/>
+                    <a:lstStyle/>
+                    <a:p>
+                      <a:r>
+                        <a:rPr lang="en-US" dirty="0"/>
+                        <a:t>Extract </a:t>
+                      </a:r>
+                      <a:r>
+                        <a:rPr lang="en-US" b="1" u="sng" dirty="0"/>
+                        <a:t>M</a:t>
+                      </a:r>
+                      <a:r>
+                        <a:rPr lang="en-US" dirty="0"/>
+                        <a:t>ethod</a:t>
+                      </a:r>
+                    </a:p>
+                  </a:txBody>
+                  <a:tcPr marL="100584" marR="100584"/>
+                </a:tc>
+                <a:tc>
+                  <a:txBody>
+                    <a:bodyPr/>
+                    <a:lstStyle/>
+                    <a:p>
+                      <a:r>
+                        <a:rPr lang="en-US" dirty="0"/>
+                        <a:t>(Ctrl + R), (Ctrl + M)</a:t>
+                      </a:r>
+                    </a:p>
+                  </a:txBody>
+                  <a:tcPr marL="100584" marR="100584"/>
+                </a:tc>
+                <a:extLst>
+                  <a:ext uri="{0D108BD9-81ED-4DB2-BD59-A6C34878D82A}">
+                    <a16:rowId xmlns:a16="http://schemas.microsoft.com/office/drawing/2014/main" val="2930728110"/>
+                  </a:ext>
+                </a:extLst>
+              </a:tr>
+              <a:tr h="370840">
+                <a:tc>
+                  <a:txBody>
+                    <a:bodyPr/>
+                    <a:lstStyle/>
+                    <a:p>
+                      <a:r>
+                        <a:rPr lang="en-US" dirty="0"/>
+                        <a:t>Extract </a:t>
+                      </a:r>
+                      <a:r>
+                        <a:rPr lang="en-US" b="1" u="sng" dirty="0"/>
+                        <a:t>V</a:t>
+                      </a:r>
+                      <a:r>
+                        <a:rPr lang="en-US" dirty="0"/>
+                        <a:t>ariable</a:t>
+                      </a:r>
+                    </a:p>
+                  </a:txBody>
+                  <a:tcPr marL="100584" marR="100584"/>
+                </a:tc>
+                <a:tc>
+                  <a:txBody>
+                    <a:bodyPr/>
+                    <a:lstStyle/>
+                    <a:p>
+                      <a:r>
+                        <a:rPr lang="en-US" dirty="0"/>
+                        <a:t>(Ctrl + R), (Ctrl + V)</a:t>
+                      </a:r>
+                    </a:p>
+                  </a:txBody>
+                  <a:tcPr marL="100584" marR="100584"/>
+                </a:tc>
+                <a:extLst>
+                  <a:ext uri="{0D108BD9-81ED-4DB2-BD59-A6C34878D82A}">
+                    <a16:rowId xmlns:a16="http://schemas.microsoft.com/office/drawing/2014/main" val="3747528750"/>
+                  </a:ext>
+                </a:extLst>
+              </a:tr>
+              <a:tr h="370840">
+                <a:tc>
+                  <a:txBody>
+                    <a:bodyPr/>
+                    <a:lstStyle/>
+                    <a:p>
+                      <a:r>
+                        <a:rPr lang="en-US" dirty="0"/>
+                        <a:t>Extract </a:t>
+                      </a:r>
+                      <a:r>
+                        <a:rPr lang="en-US" b="1" u="sng" dirty="0"/>
+                        <a:t>P</a:t>
+                      </a:r>
+                      <a:r>
+                        <a:rPr lang="en-US" dirty="0"/>
+                        <a:t>arameter</a:t>
+                      </a:r>
+                    </a:p>
+                  </a:txBody>
+                  <a:tcPr marL="100584" marR="100584"/>
+                </a:tc>
+                <a:tc>
+                  <a:txBody>
+                    <a:bodyPr/>
+                    <a:lstStyle/>
+                    <a:p>
+                      <a:r>
+                        <a:rPr lang="en-US" dirty="0"/>
+                        <a:t>(Ctrl + R), (Ctrl + P)</a:t>
+                      </a:r>
+                    </a:p>
+                  </a:txBody>
+                  <a:tcPr marL="100584" marR="100584"/>
+                </a:tc>
+                <a:extLst>
+                  <a:ext uri="{0D108BD9-81ED-4DB2-BD59-A6C34878D82A}">
+                    <a16:rowId xmlns:a16="http://schemas.microsoft.com/office/drawing/2014/main" val="4212702684"/>
+                  </a:ext>
+                </a:extLst>
+              </a:tr>
+              <a:tr h="370840">
+                <a:tc>
+                  <a:txBody>
+                    <a:bodyPr/>
+                    <a:lstStyle/>
+                    <a:p>
+                      <a:r>
+                        <a:rPr lang="en-US" b="1" u="sng" dirty="0"/>
+                        <a:t>I</a:t>
+                      </a:r>
+                      <a:r>
+                        <a:rPr lang="en-US" b="0" u="none" dirty="0"/>
+                        <a:t>n</a:t>
+                      </a:r>
+                      <a:r>
+                        <a:rPr lang="en-US" dirty="0"/>
+                        <a:t>line (method/variable/parameter)</a:t>
+                      </a:r>
+                    </a:p>
+                  </a:txBody>
+                  <a:tcPr marL="100584" marR="100584"/>
+                </a:tc>
+                <a:tc>
+                  <a:txBody>
+                    <a:bodyPr/>
+                    <a:lstStyle/>
+                    <a:p>
+                      <a:pPr marL="0" marR="0" lvl="0" indent="0" algn="l" defTabSz="685800" rtl="0" eaLnBrk="1" fontAlgn="auto" latinLnBrk="0" hangingPunct="1">
+                        <a:lnSpc>
+                          <a:spcPct val="100000"/>
+                        </a:lnSpc>
+                        <a:spcBef>
+                          <a:spcPts val="0"/>
+                        </a:spcBef>
+                        <a:spcAft>
+                          <a:spcPts val="0"/>
+                        </a:spcAft>
+                        <a:buClrTx/>
+                        <a:buSzTx/>
+                        <a:buFontTx/>
+                        <a:buNone/>
+                        <a:tabLst/>
+                        <a:defRPr/>
+                      </a:pPr>
+                      <a:r>
+                        <a:rPr lang="en-US" dirty="0"/>
+                        <a:t>(Ctrl + R), (Ctrl + I)</a:t>
+                      </a:r>
+                    </a:p>
+                  </a:txBody>
+                  <a:tcPr marL="100584" marR="100584"/>
+                </a:tc>
+                <a:extLst>
+                  <a:ext uri="{0D108BD9-81ED-4DB2-BD59-A6C34878D82A}">
+                    <a16:rowId xmlns:a16="http://schemas.microsoft.com/office/drawing/2014/main" val="1088215033"/>
+                  </a:ext>
+                </a:extLst>
+              </a:tr>
+              <a:tr h="370840">
+                <a:tc gridSpan="2">
+                  <a:txBody>
+                    <a:bodyPr/>
+                    <a:lstStyle/>
+                    <a:p>
+                      <a:pPr algn="ctr"/>
+                      <a:r>
+                        <a:rPr lang="en-US" sz="1350" kern="1200" dirty="0">
+                          <a:solidFill>
+                            <a:schemeClr val="bg1"/>
+                          </a:solidFill>
+                          <a:latin typeface="+mn-lt"/>
+                          <a:ea typeface="+mn-ea"/>
+                          <a:cs typeface="+mn-cs"/>
+                        </a:rPr>
+                        <a:t>Other</a:t>
+                      </a:r>
+                    </a:p>
+                  </a:txBody>
+                  <a:tcPr marL="100584" marR="100584">
+                    <a:solidFill>
+                      <a:schemeClr val="tx1">
+                        <a:lumMod val="65000"/>
+                        <a:lumOff val="35000"/>
+                      </a:schemeClr>
+                    </a:solidFill>
+                  </a:tcPr>
+                </a:tc>
+                <a:tc hMerge="1">
+                  <a:txBody>
+                    <a:bodyPr/>
+                    <a:lstStyle/>
+                    <a:p>
+                      <a:endParaRPr lang="en-US" sz="1350" kern="1200" dirty="0">
+                        <a:solidFill>
+                          <a:schemeClr val="dk1"/>
+                        </a:solidFill>
+                        <a:latin typeface="+mn-lt"/>
+                        <a:ea typeface="+mn-ea"/>
+                        <a:cs typeface="+mn-cs"/>
+                      </a:endParaRPr>
+                    </a:p>
+                  </a:txBody>
+                  <a:tcPr marL="100584" marR="100584"/>
+                </a:tc>
+                <a:extLst>
+                  <a:ext uri="{0D108BD9-81ED-4DB2-BD59-A6C34878D82A}">
+                    <a16:rowId xmlns:a16="http://schemas.microsoft.com/office/drawing/2014/main" val="2680216690"/>
+                  </a:ext>
+                </a:extLst>
+              </a:tr>
+              <a:tr h="370840">
+                <a:tc>
+                  <a:txBody>
+                    <a:bodyPr/>
+                    <a:lstStyle/>
+                    <a:p>
+                      <a:r>
+                        <a:rPr lang="en-US" dirty="0"/>
+                        <a:t>Grow/Shrink Selection</a:t>
+                      </a:r>
+                    </a:p>
+                  </a:txBody>
+                  <a:tcPr marL="100584" marR="100584"/>
+                </a:tc>
+                <a:tc>
+                  <a:txBody>
+                    <a:bodyPr/>
+                    <a:lstStyle/>
+                    <a:p>
+                      <a:r>
+                        <a:rPr lang="en-US" dirty="0"/>
+                        <a:t>Alt + Shift + (</a:t>
+                      </a:r>
+                      <a:r>
+                        <a:rPr lang="en-US" b="1" dirty="0"/>
+                        <a:t>+</a:t>
+                      </a:r>
+                      <a:r>
+                        <a:rPr lang="en-US" dirty="0"/>
+                        <a:t>/</a:t>
+                      </a:r>
+                      <a:r>
+                        <a:rPr lang="en-US" b="1" dirty="0"/>
+                        <a:t>-</a:t>
+                      </a:r>
+                      <a:r>
+                        <a:rPr lang="en-US" dirty="0"/>
+                        <a:t>)</a:t>
+                      </a:r>
+                    </a:p>
+                  </a:txBody>
+                  <a:tcPr marL="100584" marR="100584"/>
+                </a:tc>
+                <a:extLst>
+                  <a:ext uri="{0D108BD9-81ED-4DB2-BD59-A6C34878D82A}">
+                    <a16:rowId xmlns:a16="http://schemas.microsoft.com/office/drawing/2014/main" val="2971437720"/>
+                  </a:ext>
+                </a:extLst>
+              </a:tr>
+              <a:tr h="370840">
+                <a:tc>
+                  <a:txBody>
+                    <a:bodyPr/>
+                    <a:lstStyle/>
+                    <a:p>
+                      <a:endParaRPr lang="en-US" dirty="0"/>
+                    </a:p>
+                  </a:txBody>
+                  <a:tcPr marL="100584" marR="100584"/>
+                </a:tc>
+                <a:tc>
+                  <a:txBody>
+                    <a:bodyPr/>
+                    <a:lstStyle/>
+                    <a:p>
+                      <a:endParaRPr lang="en-US" dirty="0"/>
+                    </a:p>
+                  </a:txBody>
+                  <a:tcPr marL="100584" marR="100584"/>
+                </a:tc>
+                <a:extLst>
+                  <a:ext uri="{0D108BD9-81ED-4DB2-BD59-A6C34878D82A}">
+                    <a16:rowId xmlns:a16="http://schemas.microsoft.com/office/drawing/2014/main" val="419639401"/>
+                  </a:ext>
+                </a:extLst>
+              </a:tr>
+              <a:tr h="370840">
+                <a:tc>
+                  <a:txBody>
+                    <a:bodyPr/>
+                    <a:lstStyle/>
+                    <a:p>
+                      <a:endParaRPr lang="en-US" dirty="0"/>
+                    </a:p>
+                  </a:txBody>
+                  <a:tcPr marL="100584" marR="100584"/>
+                </a:tc>
+                <a:tc>
+                  <a:txBody>
+                    <a:bodyPr/>
+                    <a:lstStyle/>
+                    <a:p>
+                      <a:endParaRPr lang="en-US" dirty="0"/>
+                    </a:p>
+                  </a:txBody>
+                  <a:tcPr marL="100584" marR="100584"/>
+                </a:tc>
+                <a:extLst>
+                  <a:ext uri="{0D108BD9-81ED-4DB2-BD59-A6C34878D82A}">
+                    <a16:rowId xmlns:a16="http://schemas.microsoft.com/office/drawing/2014/main" val="972642356"/>
+                  </a:ext>
+                </a:extLst>
+              </a:tr>
+              <a:tr h="370840">
+                <a:tc>
+                  <a:txBody>
+                    <a:bodyPr/>
+                    <a:lstStyle/>
+                    <a:p>
+                      <a:endParaRPr lang="en-US" dirty="0"/>
+                    </a:p>
+                  </a:txBody>
+                  <a:tcPr marL="100584" marR="100584"/>
+                </a:tc>
+                <a:tc>
+                  <a:txBody>
+                    <a:bodyPr/>
+                    <a:lstStyle/>
+                    <a:p>
+                      <a:endParaRPr lang="en-US" dirty="0"/>
+                    </a:p>
+                  </a:txBody>
+                  <a:tcPr marL="100584" marR="100584"/>
+                </a:tc>
+                <a:extLst>
+                  <a:ext uri="{0D108BD9-81ED-4DB2-BD59-A6C34878D82A}">
+                    <a16:rowId xmlns:a16="http://schemas.microsoft.com/office/drawing/2014/main" val="3319750844"/>
+                  </a:ext>
+                </a:extLst>
+              </a:tr>
+              <a:tr h="370840">
+                <a:tc>
+                  <a:txBody>
+                    <a:bodyPr/>
+                    <a:lstStyle/>
+                    <a:p>
+                      <a:endParaRPr lang="en-US" dirty="0"/>
+                    </a:p>
+                  </a:txBody>
+                  <a:tcPr marL="100584" marR="100584"/>
+                </a:tc>
+                <a:tc>
+                  <a:txBody>
+                    <a:bodyPr/>
+                    <a:lstStyle/>
+                    <a:p>
+                      <a:endParaRPr lang="en-US" dirty="0"/>
+                    </a:p>
+                  </a:txBody>
+                  <a:tcPr marL="100584" marR="100584"/>
+                </a:tc>
+                <a:extLst>
+                  <a:ext uri="{0D108BD9-81ED-4DB2-BD59-A6C34878D82A}">
+                    <a16:rowId xmlns:a16="http://schemas.microsoft.com/office/drawing/2014/main" val="420708284"/>
+                  </a:ext>
+                </a:extLst>
+              </a:tr>
+            </a:tbl>
+          </a:graphicData>
+        </a:graphic>
+      </p:graphicFrame>
+    </p:spTree>
+    <p:extLst>
+      <p:ext uri="{BB962C8B-B14F-4D97-AF65-F5344CB8AC3E}">
+        <p14:creationId xmlns:p14="http://schemas.microsoft.com/office/powerpoint/2010/main" val="3332957997"/>
+      </p:ext>
+    </p:extLst>
+  </p:cSld>
+  <p:clrMapOvr>
+    <a:masterClrMapping/>
+  </p:clrMapOvr>
+</p:sld>
+</file>
+
+<file path=ppt/slides/slide2.xml><?xml version="1.0" encoding="utf-8"?>
+<p:sld xmlns:a="http://schemas.openxmlformats.org/drawingml/2006/main" xmlns:r="http://schemas.openxmlformats.org/officeDocument/2006/relationships" xmlns:p="http://schemas.openxmlformats.org/presentationml/2006/main">
+  <p:cSld>
+    <p:spTree>
+      <p:nvGrpSpPr>
+        <p:cNvPr id="1" name=""/>
+        <p:cNvGrpSpPr/>
+        <p:nvPr/>
+      </p:nvGrpSpPr>
+      <p:grpSpPr>
+        <a:xfrm>
+          <a:off x="0" y="0"/>
+          <a:ext cx="0" cy="0"/>
+          <a:chOff x="0" y="0"/>
+          <a:chExt cx="0" cy="0"/>
+        </a:xfrm>
+      </p:grpSpPr>
+      <p:sp>
+        <p:nvSpPr>
+          <p:cNvPr id="97" name="TextBox 96">
+            <a:extLst>
+              <a:ext uri="{FF2B5EF4-FFF2-40B4-BE49-F238E27FC236}">
+                <a16:creationId xmlns:a16="http://schemas.microsoft.com/office/drawing/2014/main" id="{9FC174C6-0507-D14D-AF35-9C5A8FE87FC8}"/>
+              </a:ext>
+            </a:extLst>
+          </p:cNvPr>
+          <p:cNvSpPr txBox="1"/>
+          <p:nvPr/>
+        </p:nvSpPr>
+        <p:spPr>
+          <a:xfrm>
+            <a:off x="223069" y="207820"/>
+            <a:ext cx="1931554" cy="584775"/>
+          </a:xfrm>
+          <a:prstGeom prst="rect">
+            <a:avLst/>
+          </a:prstGeom>
+          <a:noFill/>
+        </p:spPr>
+        <p:txBody>
+          <a:bodyPr wrap="none" rtlCol="0">
+            <a:spAutoFit/>
+          </a:bodyPr>
+          <a:lstStyle/>
+          <a:p>
+            <a:r>
+              <a:rPr lang="en-GB" sz="1200" dirty="0"/>
+              <a:t>Refactoring to Cleaner Code</a:t>
+            </a:r>
+          </a:p>
+          <a:p>
+            <a:r>
+              <a:rPr lang="en-GB" sz="1000" dirty="0"/>
+              <a:t>Awareness Homework</a:t>
+            </a:r>
+          </a:p>
+          <a:p>
+            <a:endParaRPr lang="en-GB" sz="1000" dirty="0"/>
+          </a:p>
+        </p:txBody>
+      </p:sp>
+      <p:sp>
+        <p:nvSpPr>
+          <p:cNvPr id="81" name="TextBox 80">
+            <a:extLst>
+              <a:ext uri="{FF2B5EF4-FFF2-40B4-BE49-F238E27FC236}">
+                <a16:creationId xmlns:a16="http://schemas.microsoft.com/office/drawing/2014/main" id="{C9A0BFBD-770F-0C44-8119-2B9A88699681}"/>
+              </a:ext>
+            </a:extLst>
+          </p:cNvPr>
+          <p:cNvSpPr txBox="1"/>
+          <p:nvPr/>
+        </p:nvSpPr>
+        <p:spPr>
+          <a:xfrm>
+            <a:off x="5231474" y="8591490"/>
+            <a:ext cx="1492716" cy="400110"/>
+          </a:xfrm>
+          <a:prstGeom prst="rect">
+            <a:avLst/>
+          </a:prstGeom>
+          <a:noFill/>
+        </p:spPr>
+        <p:txBody>
+          <a:bodyPr wrap="none" rtlCol="0">
+            <a:spAutoFit/>
+          </a:bodyPr>
+          <a:lstStyle/>
+          <a:p>
+            <a:pPr algn="r"/>
+            <a:r>
+              <a:rPr lang="en-GB" sz="1000" dirty="0"/>
+              <a:t>Want help?</a:t>
+            </a:r>
+          </a:p>
+          <a:p>
+            <a:pPr algn="r"/>
             <a:r>
               <a:rPr lang="en-GB" sz="1000" dirty="0" err="1"/>
-              <a:t>LearnWithLlew</a:t>
+              <a:t>bit.ly</a:t>
             </a:r>
             <a:r>
               <a:rPr lang="en-GB" sz="1000" dirty="0"/>
-              <a:t>/</a:t>
+              <a:t>/CodeCleaners4Hire</a:t>
             </a:r>
-            <a:r>
-              <a:rPr lang="en-GB" sz="1000" dirty="0" err="1"/>
-              <a:t>RefactoringToCleanerCode.Slides</a:t>
-            </a:r>
-            <a:r>
-              <a:rPr lang="en-GB" sz="1000" dirty="0"/>
-              <a:t>/main/marketing/</a:t>
-            </a:r>
-            <a:r>
-              <a:rPr lang="en-GB" sz="1000" dirty="0" err="1"/>
-              <a:t>CodeCleanerForHire.png</a:t>
-            </a:r>
-            <a:endParaRPr lang="en-GB" sz="1000" dirty="0"/>
           </a:p>
         </p:txBody>
       </p:sp>
@@ -9694,7 +10454,7 @@
     </p:spTree>
     <p:extLst>
       <p:ext uri="{BB962C8B-B14F-4D97-AF65-F5344CB8AC3E}">
-        <p14:creationId xmlns:p14="http://schemas.microsoft.com/office/powerpoint/2010/main" val="3332957997"/>
+        <p14:creationId xmlns:p14="http://schemas.microsoft.com/office/powerpoint/2010/main" val="1796706842"/>
       </p:ext>
     </p:extLst>
   </p:cSld>
